--- a/resource/学习报告/学习汇报(2).pptx
+++ b/resource/学习报告/学习汇报(2).pptx
@@ -216,7 +216,7 @@
           <a:p>
             <a:fld id="{25750D70-5EB1-4966-B8C8-451179EFD1F1}" type="datetimeFigureOut">
               <a:rPr lang="zh-CN" altLang="en-US" smtClean="0"/>
-              <a:t>2013/7/8</a:t>
+              <a:t>2013-8-12</a:t>
             </a:fld>
             <a:endParaRPr lang="zh-CN" altLang="en-US"/>
           </a:p>
@@ -2464,7 +2464,7 @@
           <a:p>
             <a:fld id="{61775893-F798-40E7-8520-8046A8526993}" type="datetimeFigureOut">
               <a:rPr lang="zh-CN" altLang="en-US" smtClean="0"/>
-              <a:t>2013/7/8</a:t>
+              <a:t>2013-8-12</a:t>
             </a:fld>
             <a:endParaRPr lang="zh-CN" altLang="en-US"/>
           </a:p>
@@ -2645,7 +2645,7 @@
           <a:p>
             <a:fld id="{61775893-F798-40E7-8520-8046A8526993}" type="datetimeFigureOut">
               <a:rPr lang="zh-CN" altLang="en-US" smtClean="0"/>
-              <a:t>2013/7/8</a:t>
+              <a:t>2013-8-12</a:t>
             </a:fld>
             <a:endParaRPr lang="zh-CN" altLang="en-US"/>
           </a:p>
@@ -2796,7 +2796,7 @@
           <a:p>
             <a:fld id="{61775893-F798-40E7-8520-8046A8526993}" type="datetimeFigureOut">
               <a:rPr lang="zh-CN" altLang="en-US" smtClean="0"/>
-              <a:t>2013/7/8</a:t>
+              <a:t>2013-8-12</a:t>
             </a:fld>
             <a:endParaRPr lang="zh-CN" altLang="en-US"/>
           </a:p>
@@ -4622,7 +4622,7 @@
           <a:p>
             <a:fld id="{61775893-F798-40E7-8520-8046A8526993}" type="datetimeFigureOut">
               <a:rPr lang="zh-CN" altLang="en-US" smtClean="0"/>
-              <a:t>2013/7/8</a:t>
+              <a:t>2013-8-12</a:t>
             </a:fld>
             <a:endParaRPr lang="zh-CN" altLang="en-US"/>
           </a:p>
@@ -6492,7 +6492,7 @@
           <a:p>
             <a:fld id="{61775893-F798-40E7-8520-8046A8526993}" type="datetimeFigureOut">
               <a:rPr lang="zh-CN" altLang="en-US" smtClean="0"/>
-              <a:t>2013/7/8</a:t>
+              <a:t>2013-8-12</a:t>
             </a:fld>
             <a:endParaRPr lang="zh-CN" altLang="en-US"/>
           </a:p>
@@ -6605,7 +6605,7 @@
           <a:p>
             <a:fld id="{61775893-F798-40E7-8520-8046A8526993}" type="datetimeFigureOut">
               <a:rPr lang="zh-CN" altLang="en-US" smtClean="0"/>
-              <a:t>2013/7/8</a:t>
+              <a:t>2013-8-12</a:t>
             </a:fld>
             <a:endParaRPr lang="zh-CN" altLang="en-US"/>
           </a:p>
@@ -7146,7 +7146,7 @@
           <a:p>
             <a:fld id="{61775893-F798-40E7-8520-8046A8526993}" type="datetimeFigureOut">
               <a:rPr lang="zh-CN" altLang="en-US" smtClean="0"/>
-              <a:t>2013/7/8</a:t>
+              <a:t>2013-8-12</a:t>
             </a:fld>
             <a:endParaRPr lang="zh-CN" altLang="en-US"/>
           </a:p>
@@ -7259,7 +7259,7 @@
           <a:p>
             <a:fld id="{61775893-F798-40E7-8520-8046A8526993}" type="datetimeFigureOut">
               <a:rPr lang="zh-CN" altLang="en-US" smtClean="0"/>
-              <a:t>2013/7/8</a:t>
+              <a:t>2013-8-12</a:t>
             </a:fld>
             <a:endParaRPr lang="zh-CN" altLang="en-US"/>
           </a:p>
@@ -8970,7 +8970,7 @@
           <a:p>
             <a:fld id="{61775893-F798-40E7-8520-8046A8526993}" type="datetimeFigureOut">
               <a:rPr lang="zh-CN" altLang="en-US" smtClean="0"/>
-              <a:t>2013/7/8</a:t>
+              <a:t>2013-8-12</a:t>
             </a:fld>
             <a:endParaRPr lang="zh-CN" altLang="en-US"/>
           </a:p>
@@ -9121,7 +9121,7 @@
           <a:p>
             <a:fld id="{61775893-F798-40E7-8520-8046A8526993}" type="datetimeFigureOut">
               <a:rPr lang="zh-CN" altLang="en-US" smtClean="0"/>
-              <a:t>2013/7/8</a:t>
+              <a:t>2013-8-12</a:t>
             </a:fld>
             <a:endParaRPr lang="zh-CN" altLang="en-US"/>
           </a:p>
@@ -12736,7 +12736,7 @@
           <a:p>
             <a:fld id="{61775893-F798-40E7-8520-8046A8526993}" type="datetimeFigureOut">
               <a:rPr lang="zh-CN" altLang="en-US" smtClean="0"/>
-              <a:t>2013/7/8</a:t>
+              <a:t>2013-8-12</a:t>
             </a:fld>
             <a:endParaRPr lang="zh-CN" altLang="en-US"/>
           </a:p>
@@ -14595,7 +14595,7 @@
           <a:p>
             <a:fld id="{61775893-F798-40E7-8520-8046A8526993}" type="datetimeFigureOut">
               <a:rPr lang="zh-CN" altLang="en-US" smtClean="0"/>
-              <a:t>2013/7/8</a:t>
+              <a:t>2013-8-12</a:t>
             </a:fld>
             <a:endParaRPr lang="zh-CN" altLang="en-US"/>
           </a:p>
@@ -15221,8 +15221,8 @@
           <a:chExt cx="0" cy="0"/>
         </a:xfrm>
       </p:grpSpPr>
-      <mc:AlternateContent xmlns:mc="http://schemas.openxmlformats.org/markup-compatibility/2006">
-        <mc:Choice xmlns:a14="http://schemas.microsoft.com/office/drawing/2010/main" Requires="a14">
+      <mc:AlternateContent xmlns:mc="http://schemas.openxmlformats.org/markup-compatibility/2006" xmlns:a14="http://schemas.microsoft.com/office/drawing/2010/main">
+        <mc:Choice Requires="a14">
           <p:sp>
             <p:nvSpPr>
               <p:cNvPr id="2" name="内容占位符 1"/>
@@ -15377,7 +15377,7 @@
             </p:txBody>
           </p:sp>
         </mc:Choice>
-        <mc:Fallback>
+        <mc:Fallback xmlns="">
           <p:sp>
             <p:nvSpPr>
               <p:cNvPr id="2" name="内容占位符 1"/>
@@ -15529,8 +15529,8 @@
           <a:chExt cx="0" cy="0"/>
         </a:xfrm>
       </p:grpSpPr>
-      <mc:AlternateContent xmlns:mc="http://schemas.openxmlformats.org/markup-compatibility/2006">
-        <mc:Choice xmlns:a14="http://schemas.microsoft.com/office/drawing/2010/main" Requires="a14">
+      <mc:AlternateContent xmlns:mc="http://schemas.openxmlformats.org/markup-compatibility/2006" xmlns:a14="http://schemas.microsoft.com/office/drawing/2010/main">
+        <mc:Choice Requires="a14">
           <p:sp>
             <p:nvSpPr>
               <p:cNvPr id="2" name="内容占位符 1"/>
@@ -16713,12 +16713,11 @@
                   <a:rPr lang="zh-CN" altLang="en-US" dirty="0"/>
                   <a:t>吧</a:t>
                 </a:r>
-                <a:endParaRPr lang="zh-CN" altLang="en-US" dirty="0"/>
               </a:p>
             </p:txBody>
           </p:sp>
         </mc:Choice>
-        <mc:Fallback>
+        <mc:Fallback xmlns="">
           <p:sp>
             <p:nvSpPr>
               <p:cNvPr id="2" name="内容占位符 1"/>
@@ -20065,23 +20064,13 @@
               <a:rPr lang="en-US" altLang="zh-CN" dirty="0" smtClean="0"/>
               <a:t> in based on having tow convex polygons just touching with no interpenetration. </a:t>
             </a:r>
-            <a:endParaRPr lang="en-US" altLang="zh-CN" dirty="0" smtClean="0"/>
           </a:p>
           <a:p>
             <a:pPr lvl="1"/>
             <a:r>
               <a:rPr lang="en-US" altLang="zh-CN" dirty="0" smtClean="0"/>
-              <a:t>The </a:t>
-            </a:r>
-            <a:r>
-              <a:rPr lang="en-US" altLang="zh-CN" dirty="0" smtClean="0"/>
-              <a:t>contact is one of edge-edge, vertex-edge contact, and vertex-vertex</a:t>
-            </a:r>
-            <a:r>
-              <a:rPr lang="en-US" altLang="zh-CN" dirty="0" smtClean="0"/>
-              <a:t>.</a:t>
-            </a:r>
-            <a:endParaRPr lang="en-US" altLang="zh-CN" dirty="0" smtClean="0"/>
+              <a:t>The contact is one of edge-edge, vertex-edge contact, and vertex-vertex.</a:t>
+            </a:r>
           </a:p>
         </p:txBody>
       </p:sp>
@@ -20442,7 +20431,7 @@
         </p:blipFill>
         <p:spPr bwMode="auto">
           <a:xfrm>
-            <a:off x="1119188" y="2348880"/>
+            <a:off x="1119188" y="2276872"/>
             <a:ext cx="6905625" cy="3800475"/>
           </a:xfrm>
           <a:prstGeom prst="rect">
@@ -20624,8 +20613,8 @@
           <a:chExt cx="0" cy="0"/>
         </a:xfrm>
       </p:grpSpPr>
-      <mc:AlternateContent xmlns:mc="http://schemas.openxmlformats.org/markup-compatibility/2006">
-        <mc:Choice xmlns:a14="http://schemas.microsoft.com/office/drawing/2010/main" Requires="a14">
+      <mc:AlternateContent xmlns:mc="http://schemas.openxmlformats.org/markup-compatibility/2006" xmlns:a14="http://schemas.microsoft.com/office/drawing/2010/main">
+        <mc:Choice Requires="a14">
           <p:sp>
             <p:nvSpPr>
               <p:cNvPr id="2" name="内容占位符 1"/>
@@ -21352,7 +21341,7 @@
             </p:txBody>
           </p:sp>
         </mc:Choice>
-        <mc:Fallback>
+        <mc:Fallback xmlns="">
           <p:sp>
             <p:nvSpPr>
               <p:cNvPr id="2" name="内容占位符 1"/>
@@ -21985,8 +21974,8 @@
           <a:chExt cx="0" cy="0"/>
         </a:xfrm>
       </p:grpSpPr>
-      <mc:AlternateContent xmlns:mc="http://schemas.openxmlformats.org/markup-compatibility/2006">
-        <mc:Choice xmlns:a14="http://schemas.microsoft.com/office/drawing/2010/main" Requires="a14">
+      <mc:AlternateContent xmlns:mc="http://schemas.openxmlformats.org/markup-compatibility/2006" xmlns:a14="http://schemas.microsoft.com/office/drawing/2010/main">
+        <mc:Choice Requires="a14">
           <p:sp>
             <p:nvSpPr>
               <p:cNvPr id="2" name="内容占位符 1"/>
@@ -22188,7 +22177,7 @@
             </p:txBody>
           </p:sp>
         </mc:Choice>
-        <mc:Fallback>
+        <mc:Fallback xmlns="">
           <p:sp>
             <p:nvSpPr>
               <p:cNvPr id="2" name="内容占位符 1"/>
@@ -22291,8 +22280,8 @@
           <a:chExt cx="0" cy="0"/>
         </a:xfrm>
       </p:grpSpPr>
-      <mc:AlternateContent xmlns:mc="http://schemas.openxmlformats.org/markup-compatibility/2006">
-        <mc:Choice xmlns:a14="http://schemas.microsoft.com/office/drawing/2010/main" Requires="a14">
+      <mc:AlternateContent xmlns:mc="http://schemas.openxmlformats.org/markup-compatibility/2006" xmlns:a14="http://schemas.microsoft.com/office/drawing/2010/main">
+        <mc:Choice Requires="a14">
           <p:sp>
             <p:nvSpPr>
               <p:cNvPr id="2" name="内容占位符 1"/>
@@ -22429,7 +22418,7 @@
             </p:txBody>
           </p:sp>
         </mc:Choice>
-        <mc:Fallback>
+        <mc:Fallback xmlns="">
           <p:sp>
             <p:nvSpPr>
               <p:cNvPr id="2" name="内容占位符 1"/>
@@ -22529,8 +22518,8 @@
           <a:chExt cx="0" cy="0"/>
         </a:xfrm>
       </p:grpSpPr>
-      <mc:AlternateContent xmlns:mc="http://schemas.openxmlformats.org/markup-compatibility/2006">
-        <mc:Choice xmlns:a14="http://schemas.microsoft.com/office/drawing/2010/main" Requires="a14">
+      <mc:AlternateContent xmlns:mc="http://schemas.openxmlformats.org/markup-compatibility/2006" xmlns:a14="http://schemas.microsoft.com/office/drawing/2010/main">
+        <mc:Choice Requires="a14">
           <p:sp>
             <p:nvSpPr>
               <p:cNvPr id="2" name="内容占位符 1"/>
@@ -22698,7 +22687,7 @@
             </p:txBody>
           </p:sp>
         </mc:Choice>
-        <mc:Fallback>
+        <mc:Fallback xmlns="">
           <p:sp>
             <p:nvSpPr>
               <p:cNvPr id="2" name="内容占位符 1"/>
